--- a/docs/PlayTrade.pptx
+++ b/docs/PlayTrade.pptx
@@ -6515,7 +6515,7 @@
 <dgm:dataModel xmlns:dgm="http://schemas.openxmlformats.org/drawingml/2006/diagram" xmlns:a="http://schemas.openxmlformats.org/drawingml/2006/main">
   <dgm:ptLst>
     <dgm:pt modelId="{BDADB164-A6BD-4929-9D6A-259FFE15BF9A}" type="doc">
-      <dgm:prSet loTypeId="urn:microsoft.com/office/officeart/2005/8/layout/vList5" loCatId="list" qsTypeId="urn:microsoft.com/office/officeart/2005/8/quickstyle/simple1" qsCatId="simple" csTypeId="urn:microsoft.com/office/officeart/2005/8/colors/colorful1" csCatId="colorful"/>
+      <dgm:prSet loTypeId="urn:microsoft.com/office/officeart/2005/8/layout/vList5" loCatId="list" qsTypeId="urn:microsoft.com/office/officeart/2005/8/quickstyle/simple1" qsCatId="simple" csTypeId="urn:microsoft.com/office/officeart/2005/8/colors/colorful1" csCatId="colorful" phldr="1"/>
       <dgm:spPr/>
       <dgm:t>
         <a:bodyPr/>
@@ -6533,10 +6533,10 @@
         <a:lstStyle/>
         <a:p>
           <a:r>
-            <a:rPr lang="hr-HR"/>
-            <a:t>Web aplikacija za razmjenu drustvenih igara</a:t>
+            <a:rPr lang="hr-HR" dirty="0"/>
+            <a:t>Web aplikacija za razmjenu društvenih igara</a:t>
           </a:r>
-          <a:endParaRPr lang="en-US"/>
+          <a:endParaRPr lang="en-US" dirty="0"/>
         </a:p>
       </dgm:t>
     </dgm:pt>
@@ -6644,10 +6644,10 @@
         <a:lstStyle/>
         <a:p>
           <a:r>
-            <a:rPr lang="hr-HR"/>
-            <a:t>Administratori nadgledaju sadrzaj </a:t>
+            <a:rPr lang="hr-HR" dirty="0"/>
+            <a:t>Administratori nadgledaju sadržaj </a:t>
           </a:r>
-          <a:endParaRPr lang="en-US"/>
+          <a:endParaRPr lang="en-US" dirty="0"/>
         </a:p>
       </dgm:t>
     </dgm:pt>
@@ -8747,10 +8747,10 @@
             <a:buNone/>
           </a:pPr>
           <a:r>
-            <a:rPr lang="hr-HR" sz="2500" kern="1200"/>
-            <a:t>Web aplikacija za razmjenu drustvenih igara</a:t>
+            <a:rPr lang="hr-HR" sz="2500" kern="1200" dirty="0"/>
+            <a:t>Web aplikacija za razmjenu društvenih igara</a:t>
           </a:r>
-          <a:endParaRPr lang="en-US" sz="2500" kern="1200"/>
+          <a:endParaRPr lang="en-US" sz="2500" kern="1200" dirty="0"/>
         </a:p>
       </dsp:txBody>
       <dsp:txXfrm>
@@ -8984,10 +8984,10 @@
             <a:buNone/>
           </a:pPr>
           <a:r>
-            <a:rPr lang="hr-HR" sz="2500" kern="1200"/>
-            <a:t>Administratori nadgledaju sadrzaj </a:t>
+            <a:rPr lang="hr-HR" sz="2500" kern="1200" dirty="0"/>
+            <a:t>Administratori nadgledaju sadržaj </a:t>
           </a:r>
-          <a:endParaRPr lang="en-US" sz="2500" kern="1200"/>
+          <a:endParaRPr lang="en-US" sz="2500" kern="1200" dirty="0"/>
         </a:p>
       </dsp:txBody>
       <dsp:txXfrm>
@@ -30780,6 +30780,17 @@
               </a:rPr>
               <a:t>sustav</a:t>
             </a:r>
+            <a:r>
+              <a:rPr lang="hr-HR" sz="4800" kern="1200" dirty="0">
+                <a:solidFill>
+                  <a:srgbClr val="FFFFFF"/>
+                </a:solidFill>
+                <a:latin typeface="+mj-lt"/>
+                <a:ea typeface="+mj-ea"/>
+                <a:cs typeface="+mj-cs"/>
+              </a:rPr>
+              <a:t>a</a:t>
+            </a:r>
             <a:endParaRPr lang="en-US" sz="4800" kern="1200" dirty="0">
               <a:solidFill>
                 <a:srgbClr val="FFFFFF"/>
@@ -33903,7 +33914,7 @@
             <p:ph idx="1"/>
             <p:extLst>
               <p:ext uri="{D42A27DB-BD31-4B8C-83A1-F6EECF244321}">
-                <p14:modId xmlns:p14="http://schemas.microsoft.com/office/powerpoint/2010/main" val="2621536654"/>
+                <p14:modId xmlns:p14="http://schemas.microsoft.com/office/powerpoint/2010/main" val="1406606330"/>
               </p:ext>
             </p:extLst>
           </p:nvPr>
@@ -39161,43 +39172,6 @@
           <a:p>
             <a:pPr algn="ctr"/>
             <a:endParaRPr lang="en-US"/>
-          </a:p>
-        </p:txBody>
-      </p:sp>
-      <p:sp>
-        <p:nvSpPr>
-          <p:cNvPr id="3" name="Podnaslov 2">
-            <a:extLst>
-              <a:ext uri="{FF2B5EF4-FFF2-40B4-BE49-F238E27FC236}">
-                <a16:creationId xmlns:a16="http://schemas.microsoft.com/office/drawing/2014/main" id="{5EF5ACC5-FF86-1453-E984-ED9A5269C127}"/>
-              </a:ext>
-            </a:extLst>
-          </p:cNvPr>
-          <p:cNvSpPr>
-            <a:spLocks noGrp="1"/>
-          </p:cNvSpPr>
-          <p:nvPr>
-            <p:ph type="subTitle" idx="1"/>
-          </p:nvPr>
-        </p:nvSpPr>
-        <p:spPr>
-          <a:xfrm>
-            <a:off x="4285397" y="4960961"/>
-            <a:ext cx="7055893" cy="1078054"/>
-          </a:xfrm>
-        </p:spPr>
-        <p:txBody>
-          <a:bodyPr>
-            <a:normAutofit/>
-          </a:bodyPr>
-          <a:lstStyle/>
-          <a:p>
-            <a:pPr algn="l"/>
-            <a:endParaRPr lang="hr-HR">
-              <a:solidFill>
-                <a:srgbClr val="FFFFFF"/>
-              </a:solidFill>
-            </a:endParaRPr>
           </a:p>
         </p:txBody>
       </p:sp>
@@ -40848,42 +40822,6 @@
           <a:p>
             <a:pPr algn="ctr"/>
             <a:endParaRPr lang="en-US"/>
-          </a:p>
-        </p:txBody>
-      </p:sp>
-      <p:sp>
-        <p:nvSpPr>
-          <p:cNvPr id="9" name="Naslov 8">
-            <a:extLst>
-              <a:ext uri="{FF2B5EF4-FFF2-40B4-BE49-F238E27FC236}">
-                <a16:creationId xmlns:a16="http://schemas.microsoft.com/office/drawing/2014/main" id="{6A5B44D2-2E31-09E0-7078-3A8CC60EC0BB}"/>
-              </a:ext>
-            </a:extLst>
-          </p:cNvPr>
-          <p:cNvSpPr>
-            <a:spLocks noGrp="1"/>
-          </p:cNvSpPr>
-          <p:nvPr>
-            <p:ph type="title"/>
-          </p:nvPr>
-        </p:nvSpPr>
-        <p:spPr>
-          <a:xfrm>
-            <a:off x="699714" y="353160"/>
-            <a:ext cx="7091300" cy="898581"/>
-          </a:xfrm>
-        </p:spPr>
-        <p:txBody>
-          <a:bodyPr vert="horz" lIns="91440" tIns="45720" rIns="91440" bIns="45720" rtlCol="0" anchor="ctr">
-            <a:normAutofit/>
-          </a:bodyPr>
-          <a:lstStyle/>
-          <a:p>
-            <a:endParaRPr lang="en-US" sz="4000" dirty="0">
-              <a:solidFill>
-                <a:srgbClr val="FFFFFF"/>
-              </a:solidFill>
-            </a:endParaRPr>
           </a:p>
         </p:txBody>
       </p:sp>
@@ -43668,43 +43606,6 @@
           </a:p>
         </p:txBody>
       </p:sp>
-      <p:sp>
-        <p:nvSpPr>
-          <p:cNvPr id="4" name="Podnaslov 3">
-            <a:extLst>
-              <a:ext uri="{FF2B5EF4-FFF2-40B4-BE49-F238E27FC236}">
-                <a16:creationId xmlns:a16="http://schemas.microsoft.com/office/drawing/2014/main" id="{2FBFF6B1-04FC-769C-8EF2-4B42E96352B6}"/>
-              </a:ext>
-            </a:extLst>
-          </p:cNvPr>
-          <p:cNvSpPr>
-            <a:spLocks noGrp="1"/>
-          </p:cNvSpPr>
-          <p:nvPr>
-            <p:ph type="subTitle" idx="1"/>
-          </p:nvPr>
-        </p:nvSpPr>
-        <p:spPr>
-          <a:xfrm>
-            <a:off x="4244454" y="667911"/>
-            <a:ext cx="6755642" cy="1296368"/>
-          </a:xfrm>
-        </p:spPr>
-        <p:txBody>
-          <a:bodyPr anchor="b">
-            <a:normAutofit/>
-          </a:bodyPr>
-          <a:lstStyle/>
-          <a:p>
-            <a:pPr algn="l"/>
-            <a:endParaRPr lang="hr-HR">
-              <a:solidFill>
-                <a:srgbClr val="FFFFFF"/>
-              </a:solidFill>
-            </a:endParaRPr>
-          </a:p>
-        </p:txBody>
-      </p:sp>
     </p:spTree>
     <p:extLst>
       <p:ext uri="{BB962C8B-B14F-4D97-AF65-F5344CB8AC3E}">
@@ -44952,27 +44853,6 @@
               <a:t>Ograničen budžet projekta</a:t>
             </a:r>
           </a:p>
-          <a:p>
-            <a:pPr marL="0" indent="0">
-              <a:buNone/>
-            </a:pPr>
-            <a:r>
-              <a:rPr lang="hr-HR" sz="3200" b="1" dirty="0"/>
-              <a:t>Funkcionalnosti koje nisu implementirane</a:t>
-            </a:r>
-          </a:p>
-          <a:p>
-            <a:r>
-              <a:rPr lang="hr-HR" sz="3200" dirty="0"/>
-              <a:t>/</a:t>
-            </a:r>
-          </a:p>
-          <a:p>
-            <a:pPr marL="0" indent="0">
-              <a:buNone/>
-            </a:pPr>
-            <a:endParaRPr lang="hr-HR" sz="3200" dirty="0"/>
-          </a:p>
         </p:txBody>
       </p:sp>
     </p:spTree>
@@ -45634,42 +45514,6 @@
               </a:rPr>
               <a:t>Hvala na pažnji</a:t>
             </a:r>
-          </a:p>
-        </p:txBody>
-      </p:sp>
-      <p:sp>
-        <p:nvSpPr>
-          <p:cNvPr id="6" name="Podnaslov 5">
-            <a:extLst>
-              <a:ext uri="{FF2B5EF4-FFF2-40B4-BE49-F238E27FC236}">
-                <a16:creationId xmlns:a16="http://schemas.microsoft.com/office/drawing/2014/main" id="{79B3D47F-A98F-8EB9-313D-4907677781C3}"/>
-              </a:ext>
-            </a:extLst>
-          </p:cNvPr>
-          <p:cNvSpPr>
-            <a:spLocks noGrp="1"/>
-          </p:cNvSpPr>
-          <p:nvPr>
-            <p:ph type="subTitle" idx="1"/>
-          </p:nvPr>
-        </p:nvSpPr>
-        <p:spPr>
-          <a:xfrm>
-            <a:off x="1559943" y="5171093"/>
-            <a:ext cx="9078628" cy="860620"/>
-          </a:xfrm>
-        </p:spPr>
-        <p:txBody>
-          <a:bodyPr anchor="ctr">
-            <a:normAutofit/>
-          </a:bodyPr>
-          <a:lstStyle/>
-          <a:p>
-            <a:endParaRPr lang="hr-HR">
-              <a:solidFill>
-                <a:srgbClr val="FFFFFF"/>
-              </a:solidFill>
-            </a:endParaRPr>
           </a:p>
         </p:txBody>
       </p:sp>
